--- a/RETEX/projet systeme.pptx
+++ b/RETEX/projet systeme.pptx
@@ -241,7 +241,7 @@
           <a:p>
             <a:fld id="{CB44C220-8036-4CA1-9847-CBEE47DB7BC6}" type="datetimeFigureOut">
               <a:rPr lang="fr-FR" smtClean="0"/>
-              <a:t>13/04/2022</a:t>
+              <a:t>14/04/2022</a:t>
             </a:fld>
             <a:endParaRPr lang="fr-FR"/>
           </a:p>
@@ -409,7 +409,7 @@
           <a:p>
             <a:fld id="{CB44C220-8036-4CA1-9847-CBEE47DB7BC6}" type="datetimeFigureOut">
               <a:rPr lang="fr-FR" smtClean="0"/>
-              <a:t>13/04/2022</a:t>
+              <a:t>14/04/2022</a:t>
             </a:fld>
             <a:endParaRPr lang="fr-FR"/>
           </a:p>
@@ -587,7 +587,7 @@
           <a:p>
             <a:fld id="{CB44C220-8036-4CA1-9847-CBEE47DB7BC6}" type="datetimeFigureOut">
               <a:rPr lang="fr-FR" smtClean="0"/>
-              <a:t>13/04/2022</a:t>
+              <a:t>14/04/2022</a:t>
             </a:fld>
             <a:endParaRPr lang="fr-FR"/>
           </a:p>
@@ -755,7 +755,7 @@
           <a:p>
             <a:fld id="{CB44C220-8036-4CA1-9847-CBEE47DB7BC6}" type="datetimeFigureOut">
               <a:rPr lang="fr-FR" smtClean="0"/>
-              <a:t>13/04/2022</a:t>
+              <a:t>14/04/2022</a:t>
             </a:fld>
             <a:endParaRPr lang="fr-FR"/>
           </a:p>
@@ -1000,7 +1000,7 @@
           <a:p>
             <a:fld id="{CB44C220-8036-4CA1-9847-CBEE47DB7BC6}" type="datetimeFigureOut">
               <a:rPr lang="fr-FR" smtClean="0"/>
-              <a:t>13/04/2022</a:t>
+              <a:t>14/04/2022</a:t>
             </a:fld>
             <a:endParaRPr lang="fr-FR"/>
           </a:p>
@@ -1229,7 +1229,7 @@
           <a:p>
             <a:fld id="{CB44C220-8036-4CA1-9847-CBEE47DB7BC6}" type="datetimeFigureOut">
               <a:rPr lang="fr-FR" smtClean="0"/>
-              <a:t>13/04/2022</a:t>
+              <a:t>14/04/2022</a:t>
             </a:fld>
             <a:endParaRPr lang="fr-FR"/>
           </a:p>
@@ -1593,7 +1593,7 @@
           <a:p>
             <a:fld id="{CB44C220-8036-4CA1-9847-CBEE47DB7BC6}" type="datetimeFigureOut">
               <a:rPr lang="fr-FR" smtClean="0"/>
-              <a:t>13/04/2022</a:t>
+              <a:t>14/04/2022</a:t>
             </a:fld>
             <a:endParaRPr lang="fr-FR"/>
           </a:p>
@@ -1710,7 +1710,7 @@
           <a:p>
             <a:fld id="{CB44C220-8036-4CA1-9847-CBEE47DB7BC6}" type="datetimeFigureOut">
               <a:rPr lang="fr-FR" smtClean="0"/>
-              <a:t>13/04/2022</a:t>
+              <a:t>14/04/2022</a:t>
             </a:fld>
             <a:endParaRPr lang="fr-FR"/>
           </a:p>
@@ -1805,7 +1805,7 @@
           <a:p>
             <a:fld id="{CB44C220-8036-4CA1-9847-CBEE47DB7BC6}" type="datetimeFigureOut">
               <a:rPr lang="fr-FR" smtClean="0"/>
-              <a:t>13/04/2022</a:t>
+              <a:t>14/04/2022</a:t>
             </a:fld>
             <a:endParaRPr lang="fr-FR"/>
           </a:p>
@@ -2080,7 +2080,7 @@
           <a:p>
             <a:fld id="{CB44C220-8036-4CA1-9847-CBEE47DB7BC6}" type="datetimeFigureOut">
               <a:rPr lang="fr-FR" smtClean="0"/>
-              <a:t>13/04/2022</a:t>
+              <a:t>14/04/2022</a:t>
             </a:fld>
             <a:endParaRPr lang="fr-FR"/>
           </a:p>
@@ -2332,7 +2332,7 @@
           <a:p>
             <a:fld id="{CB44C220-8036-4CA1-9847-CBEE47DB7BC6}" type="datetimeFigureOut">
               <a:rPr lang="fr-FR" smtClean="0"/>
-              <a:t>13/04/2022</a:t>
+              <a:t>14/04/2022</a:t>
             </a:fld>
             <a:endParaRPr lang="fr-FR"/>
           </a:p>
@@ -2543,7 +2543,7 @@
           <a:p>
             <a:fld id="{CB44C220-8036-4CA1-9847-CBEE47DB7BC6}" type="datetimeFigureOut">
               <a:rPr lang="fr-FR" smtClean="0"/>
-              <a:t>13/04/2022</a:t>
+              <a:t>14/04/2022</a:t>
             </a:fld>
             <a:endParaRPr lang="fr-FR"/>
           </a:p>
@@ -2936,9 +2936,15 @@
   <p:cSld>
     <p:bg>
       <p:bgPr>
-        <a:solidFill>
-          <a:schemeClr val="tx1"/>
-        </a:solidFill>
+        <a:blipFill dpi="0" rotWithShape="1">
+          <a:blip r:embed="rId2">
+            <a:lum/>
+          </a:blip>
+          <a:srcRect/>
+          <a:stretch>
+            <a:fillRect/>
+          </a:stretch>
+        </a:blipFill>
         <a:effectLst/>
       </p:bgPr>
     </p:bg>
@@ -3225,7 +3231,7 @@
           <a:lstStyle/>
           <a:p>
             <a:r>
-              <a:rPr lang="fr-FR" sz="3600" b="1" dirty="0" smtClean="0">
+              <a:rPr lang="fr-FR" sz="3600" b="1" dirty="0">
                 <a:solidFill>
                   <a:schemeClr val="bg1"/>
                 </a:solidFill>
@@ -3316,7 +3322,7 @@
           <a:p>
             <a:pPr algn="ctr"/>
             <a:r>
-              <a:rPr lang="fr-FR" b="0" i="0" dirty="0" smtClean="0">
+              <a:rPr lang="fr-FR" b="0" i="0" dirty="0">
                 <a:solidFill>
                   <a:schemeClr val="bg1"/>
                 </a:solidFill>
@@ -3326,7 +3332,7 @@
               <a:t>Lors de ce projet, nous devions, par binôme, installer un système d’exploitation sur une machine virtuelle contenant le langage de programmation </a:t>
             </a:r>
             <a:r>
-              <a:rPr lang="fr-FR" b="1" i="0" u="sng" dirty="0" smtClean="0">
+              <a:rPr lang="fr-FR" b="1" i="0" u="sng" dirty="0">
                 <a:solidFill>
                   <a:schemeClr val="bg1"/>
                 </a:solidFill>
@@ -3336,7 +3342,7 @@
               <a:t>Rust</a:t>
             </a:r>
             <a:r>
-              <a:rPr lang="fr-FR" i="0" dirty="0" smtClean="0">
+              <a:rPr lang="fr-FR" i="0" dirty="0">
                 <a:solidFill>
                   <a:schemeClr val="bg1"/>
                 </a:solidFill>
@@ -3386,7 +3392,7 @@
           <a:p>
             <a:pPr algn="ctr"/>
             <a:r>
-              <a:rPr lang="fr-FR" dirty="0" smtClean="0">
+              <a:rPr lang="fr-FR" dirty="0">
                 <a:solidFill>
                   <a:schemeClr val="bg1"/>
                 </a:solidFill>
@@ -3395,7 +3401,7 @@
               <a:t>Le système d’exploitation choisi était </a:t>
             </a:r>
             <a:r>
-              <a:rPr lang="fr-FR" b="1" u="sng" dirty="0" smtClean="0">
+              <a:rPr lang="fr-FR" b="1" u="sng" dirty="0">
                 <a:solidFill>
                   <a:schemeClr val="bg1"/>
                 </a:solidFill>
@@ -3404,7 +3410,7 @@
               <a:t>Fedora</a:t>
             </a:r>
             <a:r>
-              <a:rPr lang="fr-FR" dirty="0" smtClean="0">
+              <a:rPr lang="fr-FR" dirty="0">
                 <a:solidFill>
                   <a:schemeClr val="bg1"/>
                 </a:solidFill>
@@ -3413,7 +3419,7 @@
               <a:t>.</a:t>
             </a:r>
             <a:br>
-              <a:rPr lang="fr-FR" dirty="0" smtClean="0">
+              <a:rPr lang="fr-FR" dirty="0">
                 <a:solidFill>
                   <a:schemeClr val="bg1"/>
                 </a:solidFill>
@@ -3421,7 +3427,7 @@
               </a:rPr>
             </a:br>
             <a:r>
-              <a:rPr lang="fr-FR" dirty="0" smtClean="0">
+              <a:rPr lang="fr-FR" dirty="0">
                 <a:solidFill>
                   <a:schemeClr val="bg1"/>
                 </a:solidFill>
@@ -3430,7 +3436,7 @@
               <a:t>Nous avions aussi installé </a:t>
             </a:r>
             <a:r>
-              <a:rPr lang="fr-FR" b="1" u="sng" dirty="0" smtClean="0">
+              <a:rPr lang="fr-FR" b="1" u="sng" dirty="0">
                 <a:solidFill>
                   <a:schemeClr val="bg1"/>
                 </a:solidFill>
@@ -3439,7 +3445,7 @@
               <a:t>Visual Studio Code</a:t>
             </a:r>
             <a:r>
-              <a:rPr lang="fr-FR" dirty="0" smtClean="0">
+              <a:rPr lang="fr-FR" dirty="0">
                 <a:solidFill>
                   <a:schemeClr val="bg1"/>
                 </a:solidFill>
@@ -3448,7 +3454,7 @@
               <a:t>, </a:t>
             </a:r>
             <a:r>
-              <a:rPr lang="fr-FR" b="1" u="sng" dirty="0" smtClean="0">
+              <a:rPr lang="fr-FR" b="1" u="sng" dirty="0">
                 <a:solidFill>
                   <a:schemeClr val="bg1"/>
                 </a:solidFill>
@@ -3457,7 +3463,7 @@
               <a:t>RUST</a:t>
             </a:r>
             <a:r>
-              <a:rPr lang="fr-FR" dirty="0" smtClean="0">
+              <a:rPr lang="fr-FR" dirty="0">
                 <a:solidFill>
                   <a:schemeClr val="bg1"/>
                 </a:solidFill>
@@ -3466,7 +3472,7 @@
               <a:t> et configuré le fichier </a:t>
             </a:r>
             <a:r>
-              <a:rPr lang="fr-FR" b="1" u="sng" dirty="0" smtClean="0">
+              <a:rPr lang="fr-FR" b="1" u="sng" dirty="0">
                 <a:solidFill>
                   <a:schemeClr val="bg1"/>
                 </a:solidFill>
@@ -3475,7 +3481,7 @@
               <a:t>.</a:t>
             </a:r>
             <a:r>
-              <a:rPr lang="fr-FR" b="1" u="sng" dirty="0" err="1" smtClean="0">
+              <a:rPr lang="fr-FR" b="1" u="sng" dirty="0" err="1">
                 <a:solidFill>
                   <a:schemeClr val="bg1"/>
                 </a:solidFill>
@@ -3484,7 +3490,7 @@
               <a:t>bashrc</a:t>
             </a:r>
             <a:r>
-              <a:rPr lang="fr-FR" dirty="0" smtClean="0">
+              <a:rPr lang="fr-FR" dirty="0">
                 <a:solidFill>
                   <a:schemeClr val="bg1"/>
                 </a:solidFill>
@@ -3493,7 +3499,7 @@
               <a:t> pour que </a:t>
             </a:r>
             <a:r>
-              <a:rPr lang="fr-FR" b="1" u="sng" dirty="0" smtClean="0">
+              <a:rPr lang="fr-FR" b="1" u="sng" dirty="0">
                 <a:solidFill>
                   <a:schemeClr val="bg1"/>
                 </a:solidFill>
@@ -3502,7 +3508,7 @@
               <a:t>git</a:t>
             </a:r>
             <a:r>
-              <a:rPr lang="fr-FR" dirty="0" smtClean="0">
+              <a:rPr lang="fr-FR" dirty="0">
                 <a:solidFill>
                   <a:schemeClr val="bg1"/>
                 </a:solidFill>
@@ -3551,7 +3557,7 @@
           <a:p>
             <a:pPr algn="ctr"/>
             <a:r>
-              <a:rPr lang="fr-FR" dirty="0" smtClean="0">
+              <a:rPr lang="fr-FR" dirty="0">
                 <a:solidFill>
                   <a:schemeClr val="bg1"/>
                 </a:solidFill>
@@ -3560,7 +3566,7 @@
               <a:t>Au cours de ce projet nous avons pu apprendre à installer sur une machine virtuelle un système d’exploitation </a:t>
             </a:r>
             <a:r>
-              <a:rPr lang="fr-FR" b="1" dirty="0" smtClean="0">
+              <a:rPr lang="fr-FR" b="1" dirty="0">
                 <a:solidFill>
                   <a:schemeClr val="bg1"/>
                 </a:solidFill>
@@ -3569,7 +3575,7 @@
               <a:t>Linux</a:t>
             </a:r>
             <a:r>
-              <a:rPr lang="fr-FR" dirty="0" smtClean="0">
+              <a:rPr lang="fr-FR" dirty="0">
                 <a:solidFill>
                   <a:schemeClr val="bg1"/>
                 </a:solidFill>
@@ -3578,7 +3584,7 @@
               <a:t>  à l’aide du logiciel </a:t>
             </a:r>
             <a:r>
-              <a:rPr lang="fr-FR" b="1" dirty="0" smtClean="0">
+              <a:rPr lang="fr-FR" b="1" dirty="0">
                 <a:solidFill>
                   <a:schemeClr val="bg1"/>
                 </a:solidFill>
@@ -3587,7 +3593,7 @@
               <a:t>VMware</a:t>
             </a:r>
             <a:r>
-              <a:rPr lang="fr-FR" dirty="0" smtClean="0">
+              <a:rPr lang="fr-FR" dirty="0">
                 <a:solidFill>
                   <a:schemeClr val="bg1"/>
                 </a:solidFill>
@@ -3612,7 +3618,7 @@
           <p:nvPr/>
         </p:nvPicPr>
         <p:blipFill>
-          <a:blip r:embed="rId2" cstate="print">
+          <a:blip r:embed="rId3" cstate="print">
             <a:extLst>
               <a:ext uri="{28A0092B-C50C-407E-A947-70E740481C1C}">
                 <a14:useLocalDpi xmlns:a14="http://schemas.microsoft.com/office/drawing/2010/main" val="0"/>
@@ -3653,7 +3659,7 @@
           <p:nvPr/>
         </p:nvPicPr>
         <p:blipFill>
-          <a:blip r:embed="rId3" cstate="print">
+          <a:blip r:embed="rId4" cstate="print">
             <a:extLst>
               <a:ext uri="{28A0092B-C50C-407E-A947-70E740481C1C}">
                 <a14:useLocalDpi xmlns:a14="http://schemas.microsoft.com/office/drawing/2010/main" val="0"/>
@@ -3694,7 +3700,7 @@
           <p:nvPr/>
         </p:nvPicPr>
         <p:blipFill>
-          <a:blip r:embed="rId4"/>
+          <a:blip r:embed="rId5"/>
           <a:stretch>
             <a:fillRect/>
           </a:stretch>
@@ -3718,7 +3724,7 @@
           <p:nvPr/>
         </p:nvPicPr>
         <p:blipFill>
-          <a:blip r:embed="rId5" cstate="print">
+          <a:blip r:embed="rId6" cstate="print">
             <a:extLst>
               <a:ext uri="{28A0092B-C50C-407E-A947-70E740481C1C}">
                 <a14:useLocalDpi xmlns:a14="http://schemas.microsoft.com/office/drawing/2010/main" val="0"/>
@@ -3757,7 +3763,7 @@
           <p:nvPr/>
         </p:nvPicPr>
         <p:blipFill>
-          <a:blip r:embed="rId6"/>
+          <a:blip r:embed="rId7"/>
           <a:stretch>
             <a:fillRect/>
           </a:stretch>
